--- a/lectures3/gr/Pythonlearn-11-Regex.pptx
+++ b/lectures3/gr/Pythonlearn-11-Regex.pptx
@@ -574,41 +574,57 @@
           </a:bodyPr>
           <a:lstStyle/>
           <a:p>
-            <a:pPr marL="0" marR="0" lvl="0" indent="0" algn="l" rtl="0">
-              <a:spcBef>
-                <a:spcPts val="0"/>
-              </a:spcBef>
-              <a:buClr>
+            <a:pPr lvl="0">
+              <a:spcBef>
+                <a:spcPts val="0"/>
+              </a:spcBef>
+              <a:buNone/>
+            </a:pPr>
+            <a:r>
+              <a:rPr lang="el-GR" dirty="0">
+                <a:solidFill>
+                  <a:schemeClr val="dk2"/>
+                </a:solidFill>
+              </a:rPr>
+              <a:t>Σημείωση από τον </a:t>
+            </a:r>
+            <a:r>
+              <a:rPr lang="en-US" dirty="0">
+                <a:solidFill>
+                  <a:schemeClr val="dk2"/>
+                </a:solidFill>
+              </a:rPr>
+              <a:t> Chuck</a:t>
+            </a:r>
+            <a:r>
+              <a:rPr lang="el-GR" dirty="0">
+                <a:solidFill>
+                  <a:schemeClr val="dk2"/>
+                </a:solidFill>
+              </a:rPr>
+              <a:t>. Εάν χρησιμοποιείτε αυτό το υλικό, μπορείτε να αφαιρέσετε το λογότυπο UM και να το αντικαταστήσετε με το δικό σας, αλλά διατηρήστε το λογότυπο CC-BY στην πρώτη σελίδα καθώς την/τις σελίδα/</a:t>
+            </a:r>
+            <a:r>
+              <a:rPr lang="el-GR" dirty="0" err="1">
+                <a:solidFill>
+                  <a:schemeClr val="dk2"/>
+                </a:solidFill>
+              </a:rPr>
+              <a:t>ες</a:t>
+            </a:r>
+            <a:r>
+              <a:rPr lang="el-GR">
+                <a:solidFill>
+                  <a:schemeClr val="dk2"/>
+                </a:solidFill>
+              </a:rPr>
+              <a:t> αναγνώρισης.</a:t>
+            </a:r>
+            <a:endParaRPr lang="en-US" dirty="0">
+              <a:solidFill>
                 <a:schemeClr val="dk2"/>
-              </a:buClr>
-              <a:buSzPct val="25000"/>
-              <a:buFont typeface="Arial"/>
-              <a:buNone/>
-            </a:pPr>
-            <a:r>
-              <a:rPr lang="en-US" sz="1100" b="0" i="0" u="none" strike="noStrike" cap="none" dirty="0">
-                <a:solidFill>
-                  <a:schemeClr val="dk2"/>
-                </a:solidFill>
-              </a:rPr>
-              <a:t>Note from Chuck.  If you are using these materials, you can remove the UM logo and replace it with your own, but please retain the CC-BY logo on the first page as well as retain the acknowledgement</a:t>
-            </a:r>
-            <a:r>
-              <a:rPr lang="en-US" sz="1100" b="0" i="0" u="none" strike="noStrike" cap="none" baseline="0" dirty="0">
-                <a:solidFill>
-                  <a:schemeClr val="dk2"/>
-                </a:solidFill>
-              </a:rPr>
-              <a:t> </a:t>
-            </a:r>
-            <a:r>
-              <a:rPr lang="en-US" sz="1100" b="0" i="0" u="none" strike="noStrike" cap="none" dirty="0">
-                <a:solidFill>
-                  <a:schemeClr val="dk2"/>
-                </a:solidFill>
-              </a:rPr>
-              <a:t>page(s) at the end.</a:t>
-            </a:r>
+              </a:solidFill>
+            </a:endParaRPr>
           </a:p>
         </p:txBody>
       </p:sp>

--- a/lectures3/gr/Pythonlearn-11-Regex.pptx
+++ b/lectures3/gr/Pythonlearn-11-Regex.pptx
@@ -7516,7 +7516,7 @@
                 <a:cs typeface="Arial Regular" charset="0"/>
                 <a:sym typeface="Cabin"/>
               </a:rPr>
-              <a:t>Ρυθμίζουμε με ακρίβεια αυτό που ταιριάζει προσθέτοντας ειδικούς χαρακτήρες στη συμβολοσειρά</a:t>
+              <a:t>Ρυθμίζουμε με ακρίβεια αυτό που ταιριάζει, προσθέτοντας ειδικούς χαρακτήρες στη συμβολοσειρά</a:t>
             </a:r>
             <a:endParaRPr lang="en-US" sz="3600" u="none" strike="noStrike" cap="none" dirty="0">
               <a:solidFill>
@@ -12628,7 +12628,7 @@
                 <a:cs typeface="Arial Regular" charset="0"/>
                 <a:sym typeface="Cabin"/>
               </a:rPr>
-              <a:t> 'From:’ </a:t>
+              <a:t> 'From:'</a:t>
             </a:r>
             <a:r>
               <a:rPr lang="el-GR" sz="3600" u="none" strike="noStrike" cap="none" dirty="0">
@@ -27484,7 +27484,7 @@
                 <a:latin typeface="Courier"/>
                 <a:sym typeface="Courier New"/>
               </a:rPr>
-              <a:t>κενό διάστημα </a:t>
+              <a:t>λευκό χαρακτήρα </a:t>
             </a:r>
             <a:r>
               <a:rPr lang="el-GR" sz="2400" i="0" u="none" strike="noStrike" cap="none" dirty="0">
@@ -27570,7 +27570,7 @@
                 <a:latin typeface="Courier"/>
                 <a:sym typeface="Courier New"/>
               </a:rPr>
-              <a:t>μη-κενό διάστημα </a:t>
+              <a:t>μη-λευκό χαρακτήρα </a:t>
             </a:r>
             <a:r>
               <a:rPr lang="el-GR" sz="2400" i="0" u="none" strike="noStrike" cap="none" dirty="0">
@@ -28590,7 +28590,31 @@
                 <a:cs typeface="Arial Regular" charset="0"/>
                 <a:sym typeface="Cabin"/>
               </a:rPr>
-              <a:t>χρησιμοποιήσετε τις κανονικές εκφράσεις στο πρόγραμμά σας, πρέπει να εισαγάγετε την αντίστοιχη βιβλιοθήκη χρησιμοποιώντας το «</a:t>
+              <a:t>χρησιμοποιήσετε τις κανονικές εκφράσεις στο πρόγραμμά σας, πρέπει να εισαγάγετε το αντίστοιχο </a:t>
+            </a:r>
+            <a:r>
+              <a:rPr lang="el-GR" sz="3600" u="none" strike="noStrike" cap="none" dirty="0" err="1">
+                <a:solidFill>
+                  <a:schemeClr val="lt1"/>
+                </a:solidFill>
+                <a:latin typeface="Arial Regular" charset="0"/>
+                <a:ea typeface="Arial Regular" charset="0"/>
+                <a:cs typeface="Arial Regular" charset="0"/>
+                <a:sym typeface="Cabin"/>
+              </a:rPr>
+              <a:t>άρθρωμα</a:t>
+            </a:r>
+            <a:r>
+              <a:rPr lang="el-GR" sz="3600" u="none" strike="noStrike" cap="none" dirty="0">
+                <a:solidFill>
+                  <a:schemeClr val="lt1"/>
+                </a:solidFill>
+                <a:latin typeface="Arial Regular" charset="0"/>
+                <a:ea typeface="Arial Regular" charset="0"/>
+                <a:cs typeface="Arial Regular" charset="0"/>
+                <a:sym typeface="Cabin"/>
+              </a:rPr>
+              <a:t>, χρησιμοποιώντας το «</a:t>
             </a:r>
             <a:r>
               <a:rPr lang="en-US" sz="3600" u="none" strike="noStrike" cap="none" dirty="0">
